--- a/NYC Ferry Shiny Project.pptx
+++ b/NYC Ferry Shiny Project.pptx
@@ -9,7 +9,8 @@
     <p:sldId id="257" r:id="rId3"/>
     <p:sldId id="259" r:id="rId4"/>
     <p:sldId id="261" r:id="rId5"/>
-    <p:sldId id="258" r:id="rId6"/>
+    <p:sldId id="262" r:id="rId6"/>
+    <p:sldId id="258" r:id="rId7"/>
   </p:sldIdLst>
   <p:sldSz cx="12192000" cy="6858000"/>
   <p:notesSz cx="6858000" cy="9144000"/>
@@ -119,7 +120,7 @@
 <file path=ppt/revisionInfo.xml><?xml version="1.0" encoding="utf-8"?>
 <p1510:revInfo xmlns:a="http://schemas.openxmlformats.org/drawingml/2006/main" xmlns:r="http://schemas.openxmlformats.org/officeDocument/2006/relationships" xmlns:p1510="http://schemas.microsoft.com/office/powerpoint/2015/10/main">
   <p1510:revLst>
-    <p1510:client id="{C189D381-3A1B-4A6D-B312-9E1EDF7F20F9}" v="96" dt="2020-01-27T17:45:48.780"/>
+    <p1510:client id="{C189D381-3A1B-4A6D-B312-9E1EDF7F20F9}" v="102" dt="2020-02-03T20:07:37.133"/>
   </p1510:revLst>
 </p1510:revInfo>
 </file>
@@ -129,10 +130,25 @@
   <pc:docChgLst>
     <pc:chgData name="jae ko" userId="40ea7a319d05da6d" providerId="LiveId" clId="{C189D381-3A1B-4A6D-B312-9E1EDF7F20F9}"/>
     <pc:docChg chg="undo redo custSel mod addSld delSld modSld sldOrd">
-      <pc:chgData name="jae ko" userId="40ea7a319d05da6d" providerId="LiveId" clId="{C189D381-3A1B-4A6D-B312-9E1EDF7F20F9}" dt="2020-01-27T18:06:38.726" v="540" actId="2696"/>
+      <pc:chgData name="jae ko" userId="40ea7a319d05da6d" providerId="LiveId" clId="{C189D381-3A1B-4A6D-B312-9E1EDF7F20F9}" dt="2020-02-03T20:07:37.132" v="940" actId="207"/>
       <pc:docMkLst>
         <pc:docMk/>
       </pc:docMkLst>
+      <pc:sldChg chg="modSp">
+        <pc:chgData name="jae ko" userId="40ea7a319d05da6d" providerId="LiveId" clId="{C189D381-3A1B-4A6D-B312-9E1EDF7F20F9}" dt="2020-02-03T17:06:47.031" v="639" actId="1076"/>
+        <pc:sldMkLst>
+          <pc:docMk/>
+          <pc:sldMk cId="2541835063" sldId="256"/>
+        </pc:sldMkLst>
+        <pc:spChg chg="mod">
+          <ac:chgData name="jae ko" userId="40ea7a319d05da6d" providerId="LiveId" clId="{C189D381-3A1B-4A6D-B312-9E1EDF7F20F9}" dt="2020-02-03T17:06:47.031" v="639" actId="1076"/>
+          <ac:spMkLst>
+            <pc:docMk/>
+            <pc:sldMk cId="2541835063" sldId="256"/>
+            <ac:spMk id="3" creationId="{8CDD4521-950B-4D8D-8742-F4B7F7366DBE}"/>
+          </ac:spMkLst>
+        </pc:spChg>
+      </pc:sldChg>
       <pc:sldChg chg="addSp delSp modSp add mod setBg">
         <pc:chgData name="jae ko" userId="40ea7a319d05da6d" providerId="LiveId" clId="{C189D381-3A1B-4A6D-B312-9E1EDF7F20F9}" dt="2020-01-27T16:48:01.565" v="259" actId="20577"/>
         <pc:sldMkLst>
@@ -560,6 +576,37 @@
             <ac:picMk id="8" creationId="{3D73998D-799E-4C75-9E1F-019D831E9A6D}"/>
           </ac:picMkLst>
         </pc:picChg>
+      </pc:sldChg>
+      <pc:sldChg chg="addSp delSp modSp add del ord">
+        <pc:chgData name="jae ko" userId="40ea7a319d05da6d" providerId="LiveId" clId="{C189D381-3A1B-4A6D-B312-9E1EDF7F20F9}" dt="2020-02-03T20:07:37.132" v="940" actId="207"/>
+        <pc:sldMkLst>
+          <pc:docMk/>
+          <pc:sldMk cId="1366555659" sldId="262"/>
+        </pc:sldMkLst>
+        <pc:spChg chg="mod">
+          <ac:chgData name="jae ko" userId="40ea7a319d05da6d" providerId="LiveId" clId="{C189D381-3A1B-4A6D-B312-9E1EDF7F20F9}" dt="2020-02-03T17:02:56.254" v="561" actId="1076"/>
+          <ac:spMkLst>
+            <pc:docMk/>
+            <pc:sldMk cId="1366555659" sldId="262"/>
+            <ac:spMk id="2" creationId="{F838BEDB-ABC2-40E3-BEE2-EA90360CA4CE}"/>
+          </ac:spMkLst>
+        </pc:spChg>
+        <pc:spChg chg="del mod">
+          <ac:chgData name="jae ko" userId="40ea7a319d05da6d" providerId="LiveId" clId="{C189D381-3A1B-4A6D-B312-9E1EDF7F20F9}" dt="2020-02-03T17:02:38.828" v="560"/>
+          <ac:spMkLst>
+            <pc:docMk/>
+            <pc:sldMk cId="1366555659" sldId="262"/>
+            <ac:spMk id="3" creationId="{E752F325-23F9-4A10-8A0F-2F1748066C5C}"/>
+          </ac:spMkLst>
+        </pc:spChg>
+        <pc:spChg chg="add mod">
+          <ac:chgData name="jae ko" userId="40ea7a319d05da6d" providerId="LiveId" clId="{C189D381-3A1B-4A6D-B312-9E1EDF7F20F9}" dt="2020-02-03T20:07:37.132" v="940" actId="207"/>
+          <ac:spMkLst>
+            <pc:docMk/>
+            <pc:sldMk cId="1366555659" sldId="262"/>
+            <ac:spMk id="4" creationId="{25ADCBB9-8824-4E81-931F-949335F90186}"/>
+          </ac:spMkLst>
+        </pc:spChg>
       </pc:sldChg>
       <pc:sldChg chg="modSp add del ord">
         <pc:chgData name="jae ko" userId="40ea7a319d05da6d" providerId="LiveId" clId="{C189D381-3A1B-4A6D-B312-9E1EDF7F20F9}" dt="2020-01-27T17:48:06.370" v="496" actId="47"/>
@@ -1888,7 +1935,7 @@
           <a:p>
             <a:fld id="{88D38747-4367-4BD2-8D51-C97E202738E2}" type="datetime1">
               <a:rPr lang="en-US" smtClean="0"/>
-              <a:t>1/27/2020</a:t>
+              <a:t>2/3/2020</a:t>
             </a:fld>
             <a:endParaRPr lang="en-US" dirty="0"/>
           </a:p>
@@ -2325,7 +2372,7 @@
           <a:p>
             <a:fld id="{073ED0CC-082F-4160-86E5-0D6041F12778}" type="datetime1">
               <a:rPr lang="en-US" smtClean="0"/>
-              <a:t>1/27/2020</a:t>
+              <a:t>2/3/2020</a:t>
             </a:fld>
             <a:endParaRPr lang="en-US" dirty="0"/>
           </a:p>
@@ -2576,7 +2623,7 @@
           <a:p>
             <a:fld id="{073ED0CC-082F-4160-86E5-0D6041F12778}" type="datetime1">
               <a:rPr lang="en-US" smtClean="0"/>
-              <a:t>1/27/2020</a:t>
+              <a:t>2/3/2020</a:t>
             </a:fld>
             <a:endParaRPr lang="en-US" dirty="0"/>
           </a:p>
@@ -2885,7 +2932,7 @@
           <a:p>
             <a:fld id="{073ED0CC-082F-4160-86E5-0D6041F12778}" type="datetime1">
               <a:rPr lang="en-US" smtClean="0"/>
-              <a:t>1/27/2020</a:t>
+              <a:t>2/3/2020</a:t>
             </a:fld>
             <a:endParaRPr lang="en-US" dirty="0"/>
           </a:p>
@@ -3204,7 +3251,7 @@
           <a:p>
             <a:fld id="{073ED0CC-082F-4160-86E5-0D6041F12778}" type="datetime1">
               <a:rPr lang="en-US" smtClean="0"/>
-              <a:t>1/27/2020</a:t>
+              <a:t>2/3/2020</a:t>
             </a:fld>
             <a:endParaRPr lang="en-US" dirty="0"/>
           </a:p>
@@ -3507,7 +3554,7 @@
           <a:p>
             <a:fld id="{073ED0CC-082F-4160-86E5-0D6041F12778}" type="datetime1">
               <a:rPr lang="en-US" smtClean="0"/>
-              <a:t>1/27/2020</a:t>
+              <a:t>2/3/2020</a:t>
             </a:fld>
             <a:endParaRPr lang="en-US" dirty="0"/>
           </a:p>
@@ -3875,7 +3922,7 @@
           <a:p>
             <a:fld id="{073ED0CC-082F-4160-86E5-0D6041F12778}" type="datetime1">
               <a:rPr lang="en-US" smtClean="0"/>
-              <a:t>1/27/2020</a:t>
+              <a:t>2/3/2020</a:t>
             </a:fld>
             <a:endParaRPr lang="en-US" dirty="0"/>
           </a:p>
@@ -4050,7 +4097,7 @@
           <a:p>
             <a:fld id="{217E833E-1B6D-415F-AD29-75AE8C43BD0D}" type="datetime1">
               <a:rPr lang="en-US" smtClean="0"/>
-              <a:t>1/27/2020</a:t>
+              <a:t>2/3/2020</a:t>
             </a:fld>
             <a:endParaRPr lang="en-US" dirty="0"/>
           </a:p>
@@ -4230,7 +4277,7 @@
           <a:p>
             <a:fld id="{8452596F-08A7-4B70-989A-F2B1CF31E66B}" type="datetime1">
               <a:rPr lang="en-US" smtClean="0"/>
-              <a:t>1/27/2020</a:t>
+              <a:t>2/3/2020</a:t>
             </a:fld>
             <a:endParaRPr lang="en-US" dirty="0"/>
           </a:p>
@@ -4400,7 +4447,7 @@
           <a:p>
             <a:fld id="{73C55A3C-5767-4844-A0A3-83778C2E5409}" type="datetime1">
               <a:rPr lang="en-US" smtClean="0"/>
-              <a:t>1/27/2020</a:t>
+              <a:t>2/3/2020</a:t>
             </a:fld>
             <a:endParaRPr lang="en-US" dirty="0"/>
           </a:p>
@@ -4650,7 +4697,7 @@
           <a:p>
             <a:fld id="{CAE507A8-A5CF-4D38-AB86-7EDDA87A85D4}" type="datetime1">
               <a:rPr lang="en-US" smtClean="0"/>
-              <a:t>1/27/2020</a:t>
+              <a:t>2/3/2020</a:t>
             </a:fld>
             <a:endParaRPr lang="en-US" dirty="0"/>
           </a:p>
@@ -4887,7 +4934,7 @@
           <a:p>
             <a:fld id="{BDFCD27C-8599-43EF-BA1D-14DDC1946E06}" type="datetime1">
               <a:rPr lang="en-US" smtClean="0"/>
-              <a:t>1/27/2020</a:t>
+              <a:t>2/3/2020</a:t>
             </a:fld>
             <a:endParaRPr lang="en-US" dirty="0"/>
           </a:p>
@@ -5269,7 +5316,7 @@
           <a:p>
             <a:fld id="{49343D99-809A-49C0-96E5-4250D0B498EE}" type="datetime1">
               <a:rPr lang="en-US" smtClean="0"/>
-              <a:t>1/27/2020</a:t>
+              <a:t>2/3/2020</a:t>
             </a:fld>
             <a:endParaRPr lang="en-US" dirty="0"/>
           </a:p>
@@ -5387,7 +5434,7 @@
           <a:p>
             <a:fld id="{A143DE9B-B678-4EFB-BB7D-A4370204A0B0}" type="datetime1">
               <a:rPr lang="en-US" smtClean="0"/>
-              <a:t>1/27/2020</a:t>
+              <a:t>2/3/2020</a:t>
             </a:fld>
             <a:endParaRPr lang="en-US" dirty="0"/>
           </a:p>
@@ -5482,7 +5529,7 @@
           <a:p>
             <a:fld id="{E68812DA-F765-4142-A6A3-A8ED7235E082}" type="datetime1">
               <a:rPr lang="en-US" smtClean="0"/>
-              <a:t>1/27/2020</a:t>
+              <a:t>2/3/2020</a:t>
             </a:fld>
             <a:endParaRPr lang="en-US" dirty="0"/>
           </a:p>
@@ -5737,7 +5784,7 @@
           <a:p>
             <a:fld id="{3E0277FD-7DE6-41D4-930D-AC99F5AFE54E}" type="datetime1">
               <a:rPr lang="en-US" smtClean="0"/>
-              <a:t>1/27/2020</a:t>
+              <a:t>2/3/2020</a:t>
             </a:fld>
             <a:endParaRPr lang="en-US" dirty="0"/>
           </a:p>
@@ -6021,7 +6068,7 @@
           <a:p>
             <a:fld id="{9EA15526-7079-4B7B-987C-1B5FAE11A0FF}" type="datetime1">
               <a:rPr lang="en-US" smtClean="0"/>
-              <a:t>1/27/2020</a:t>
+              <a:t>2/3/2020</a:t>
             </a:fld>
             <a:endParaRPr lang="en-US" dirty="0"/>
           </a:p>
@@ -6428,7 +6475,7 @@
           <a:p>
             <a:fld id="{073ED0CC-082F-4160-86E5-0D6041F12778}" type="datetime1">
               <a:rPr lang="en-US" smtClean="0"/>
-              <a:t>1/27/2020</a:t>
+              <a:t>2/3/2020</a:t>
             </a:fld>
             <a:endParaRPr lang="en-US" dirty="0"/>
           </a:p>
@@ -7102,17 +7149,26 @@
         </p:nvSpPr>
         <p:spPr>
           <a:xfrm>
-            <a:off x="668815" y="5686129"/>
-            <a:ext cx="9623477" cy="462967"/>
+            <a:off x="2875471" y="5935665"/>
+            <a:ext cx="9498662" cy="462967"/>
           </a:xfrm>
         </p:spPr>
         <p:txBody>
           <a:bodyPr>
-            <a:normAutofit/>
+            <a:noAutofit/>
           </a:bodyPr>
           <a:lstStyle/>
           <a:p>
-            <a:endParaRPr lang="en-US" dirty="0"/>
+            <a:r>
+              <a:rPr lang="en-US" sz="4000" dirty="0">
+                <a:solidFill>
+                  <a:schemeClr val="tx1"/>
+                </a:solidFill>
+                <a:latin typeface="Microsoft New Tai Lue" panose="020B0502040204020203" pitchFamily="34" charset="0"/>
+                <a:cs typeface="Microsoft New Tai Lue" panose="020B0502040204020203" pitchFamily="34" charset="0"/>
+              </a:rPr>
+              <a:t>Is it sustainable? Solutions?</a:t>
+            </a:r>
           </a:p>
         </p:txBody>
       </p:sp>
@@ -9493,6 +9549,128 @@
 <file path=ppt/slides/slide5.xml><?xml version="1.0" encoding="utf-8"?>
 <p:sld xmlns:a="http://schemas.openxmlformats.org/drawingml/2006/main" xmlns:r="http://schemas.openxmlformats.org/officeDocument/2006/relationships" xmlns:p="http://schemas.openxmlformats.org/presentationml/2006/main">
   <p:cSld>
+    <p:spTree>
+      <p:nvGrpSpPr>
+        <p:cNvPr id="1" name=""/>
+        <p:cNvGrpSpPr/>
+        <p:nvPr/>
+      </p:nvGrpSpPr>
+      <p:grpSpPr>
+        <a:xfrm>
+          <a:off x="0" y="0"/>
+          <a:ext cx="0" cy="0"/>
+          <a:chOff x="0" y="0"/>
+          <a:chExt cx="0" cy="0"/>
+        </a:xfrm>
+      </p:grpSpPr>
+      <p:sp>
+        <p:nvSpPr>
+          <p:cNvPr id="2" name="Title 1">
+            <a:extLst>
+              <a:ext uri="{FF2B5EF4-FFF2-40B4-BE49-F238E27FC236}">
+                <a16:creationId xmlns:a16="http://schemas.microsoft.com/office/drawing/2014/main" id="{F838BEDB-ABC2-40E3-BEE2-EA90360CA4CE}"/>
+              </a:ext>
+            </a:extLst>
+          </p:cNvPr>
+          <p:cNvSpPr>
+            <a:spLocks noGrp="1"/>
+          </p:cNvSpPr>
+          <p:nvPr>
+            <p:ph type="ctrTitle"/>
+          </p:nvPr>
+        </p:nvSpPr>
+        <p:spPr>
+          <a:xfrm>
+            <a:off x="3884612" y="-1165123"/>
+            <a:ext cx="8001000" cy="2971801"/>
+          </a:xfrm>
+        </p:spPr>
+        <p:txBody>
+          <a:bodyPr/>
+          <a:lstStyle/>
+          <a:p>
+            <a:r>
+              <a:rPr lang="en-US" dirty="0"/>
+              <a:t>Conclusion </a:t>
+            </a:r>
+            <a:br>
+              <a:rPr lang="en-US" dirty="0"/>
+            </a:br>
+            <a:endParaRPr lang="en-US" dirty="0"/>
+          </a:p>
+        </p:txBody>
+      </p:sp>
+      <p:sp>
+        <p:nvSpPr>
+          <p:cNvPr id="4" name="Subtitle 3">
+            <a:extLst>
+              <a:ext uri="{FF2B5EF4-FFF2-40B4-BE49-F238E27FC236}">
+                <a16:creationId xmlns:a16="http://schemas.microsoft.com/office/drawing/2014/main" id="{25ADCBB9-8824-4E81-931F-949335F90186}"/>
+              </a:ext>
+            </a:extLst>
+          </p:cNvPr>
+          <p:cNvSpPr>
+            <a:spLocks noGrp="1"/>
+          </p:cNvSpPr>
+          <p:nvPr>
+            <p:ph type="subTitle" idx="1"/>
+          </p:nvPr>
+        </p:nvSpPr>
+        <p:spPr>
+          <a:xfrm>
+            <a:off x="2846567" y="1481667"/>
+            <a:ext cx="6400800" cy="1947333"/>
+          </a:xfrm>
+        </p:spPr>
+        <p:txBody>
+          <a:bodyPr/>
+          <a:lstStyle/>
+          <a:p>
+            <a:pPr marL="342900" indent="-342900">
+              <a:buFontTx/>
+              <a:buChar char="-"/>
+            </a:pPr>
+            <a:r>
+              <a:rPr lang="en-US" dirty="0">
+                <a:solidFill>
+                  <a:schemeClr val="tx1"/>
+                </a:solidFill>
+              </a:rPr>
+              <a:t>NYC Ferry will continue to need Subsidy from government to function. </a:t>
+            </a:r>
+          </a:p>
+          <a:p>
+            <a:pPr marL="342900" indent="-342900">
+              <a:buFontTx/>
+              <a:buChar char="-"/>
+            </a:pPr>
+            <a:r>
+              <a:rPr lang="en-US" dirty="0">
+                <a:solidFill>
+                  <a:schemeClr val="tx1"/>
+                </a:solidFill>
+              </a:rPr>
+              <a:t>Need to cut routes or change routes to cut operation costs. </a:t>
+            </a:r>
+          </a:p>
+        </p:txBody>
+      </p:sp>
+    </p:spTree>
+    <p:extLst>
+      <p:ext uri="{BB962C8B-B14F-4D97-AF65-F5344CB8AC3E}">
+        <p14:creationId xmlns:p14="http://schemas.microsoft.com/office/powerpoint/2010/main" val="1366555659"/>
+      </p:ext>
+    </p:extLst>
+  </p:cSld>
+  <p:clrMapOvr>
+    <a:masterClrMapping/>
+  </p:clrMapOvr>
+</p:sld>
+</file>
+
+<file path=ppt/slides/slide6.xml><?xml version="1.0" encoding="utf-8"?>
+<p:sld xmlns:a="http://schemas.openxmlformats.org/drawingml/2006/main" xmlns:r="http://schemas.openxmlformats.org/officeDocument/2006/relationships" xmlns:p="http://schemas.openxmlformats.org/presentationml/2006/main">
+  <p:cSld>
     <p:bg>
       <p:bgPr>
         <a:gradFill rotWithShape="1">
